--- a/doc/introduction.pptx
+++ b/doc/introduction.pptx
@@ -5,18 +5,20 @@
     <p:sldMasterId id="2147483660" r:id="rId1"/>
   </p:sldMasterIdLst>
   <p:notesMasterIdLst>
-    <p:notesMasterId r:id="rId8"/>
+    <p:notesMasterId r:id="rId10"/>
   </p:notesMasterIdLst>
   <p:handoutMasterIdLst>
-    <p:handoutMasterId r:id="rId9"/>
+    <p:handoutMasterId r:id="rId11"/>
   </p:handoutMasterIdLst>
   <p:sldIdLst>
     <p:sldId id="256" r:id="rId2"/>
     <p:sldId id="257" r:id="rId3"/>
     <p:sldId id="258" r:id="rId4"/>
-    <p:sldId id="261" r:id="rId5"/>
+    <p:sldId id="262" r:id="rId5"/>
     <p:sldId id="259" r:id="rId6"/>
     <p:sldId id="260" r:id="rId7"/>
+    <p:sldId id="263" r:id="rId8"/>
+    <p:sldId id="264" r:id="rId9"/>
   </p:sldIdLst>
   <p:sldSz cx="12188825" cy="6858000"/>
   <p:notesSz cx="6858000" cy="9144000"/>
@@ -283,7 +285,7 @@
                 <a:latin typeface="Microsoft JhengHei UI" panose="020B0604030504040204" pitchFamily="34" charset="-120"/>
                 <a:ea typeface="Microsoft JhengHei UI" panose="020B0604030504040204" pitchFamily="34" charset="-120"/>
               </a:rPr>
-              <a:t>2019年8月3日</a:t>
+              <a:t>2019年8月4日</a:t>
             </a:fld>
             <a:endParaRPr lang="zh-TW" altLang="en-US" dirty="0">
               <a:latin typeface="Microsoft JhengHei UI" panose="020B0604030504040204" pitchFamily="34" charset="-120"/>
@@ -469,7 +471,7 @@
             <a:fld id="{7667526B-7648-441B-886B-3500AD6BF91B}" type="datetime2">
               <a:rPr lang="zh-TW" altLang="en-US" smtClean="0"/>
               <a:pPr/>
-              <a:t>2019年8月3日</a:t>
+              <a:t>2019年8月4日</a:t>
             </a:fld>
             <a:endParaRPr lang="zh-TW" altLang="en-US" dirty="0"/>
           </a:p>
@@ -1158,7 +1160,7 @@
             <a:fld id="{90F0AD58-C449-4011-8D35-C8B3CD0A9DC7}" type="datetime2">
               <a:rPr lang="zh-TW" altLang="en-US" smtClean="0"/>
               <a:pPr/>
-              <a:t>2019年8月3日</a:t>
+              <a:t>2019年8月4日</a:t>
             </a:fld>
             <a:endParaRPr lang="zh-TW" altLang="en-US" dirty="0"/>
           </a:p>
@@ -1395,7 +1397,7 @@
             <a:fld id="{B70E7BD8-2180-4E57-B17B-744AF6DBE1CD}" type="datetime2">
               <a:rPr lang="zh-TW" altLang="en-US" smtClean="0"/>
               <a:pPr/>
-              <a:t>2019年8月3日</a:t>
+              <a:t>2019年8月4日</a:t>
             </a:fld>
             <a:endParaRPr lang="zh-TW" altLang="en-US" dirty="0"/>
           </a:p>
@@ -1625,7 +1627,7 @@
             <a:fld id="{621E85F5-055F-41D4-8377-1F10CED030A6}" type="datetime2">
               <a:rPr lang="zh-TW" altLang="en-US" smtClean="0"/>
               <a:pPr/>
-              <a:t>2019年8月3日</a:t>
+              <a:t>2019年8月4日</a:t>
             </a:fld>
             <a:endParaRPr lang="zh-TW" altLang="en-US" dirty="0"/>
           </a:p>
@@ -1850,7 +1852,7 @@
             <a:fld id="{29348C3B-7A5C-4958-B8D6-83A8E3B5ED6B}" type="datetime2">
               <a:rPr lang="zh-TW" altLang="en-US" smtClean="0"/>
               <a:pPr/>
-              <a:t>2019年8月3日</a:t>
+              <a:t>2019年8月4日</a:t>
             </a:fld>
             <a:endParaRPr lang="zh-TW" altLang="en-US" dirty="0"/>
           </a:p>
@@ -2124,7 +2126,7 @@
             <a:fld id="{4613E7D1-1530-41F2-958D-9EEA4A632E5E}" type="datetime2">
               <a:rPr lang="zh-TW" altLang="en-US" smtClean="0"/>
               <a:pPr/>
-              <a:t>2019年8月3日</a:t>
+              <a:t>2019年8月4日</a:t>
             </a:fld>
             <a:endParaRPr lang="zh-TW" altLang="en-US" dirty="0"/>
           </a:p>
@@ -2434,7 +2436,7 @@
             <a:fld id="{A7CECEC2-3B2C-4BCE-9D71-F39904E648D8}" type="datetime2">
               <a:rPr lang="zh-TW" altLang="en-US" smtClean="0"/>
               <a:pPr/>
-              <a:t>2019年8月3日</a:t>
+              <a:t>2019年8月4日</a:t>
             </a:fld>
             <a:endParaRPr lang="zh-TW" altLang="en-US" dirty="0"/>
           </a:p>
@@ -2906,7 +2908,7 @@
             <a:fld id="{0CCC8A08-2F79-4F6C-B61A-7D780D2BA073}" type="datetime2">
               <a:rPr lang="zh-TW" altLang="en-US" smtClean="0"/>
               <a:pPr/>
-              <a:t>2019年8月3日</a:t>
+              <a:t>2019年8月4日</a:t>
             </a:fld>
             <a:endParaRPr lang="zh-TW" altLang="en-US" dirty="0"/>
           </a:p>
@@ -3047,7 +3049,7 @@
             <a:fld id="{73A74116-7617-4B04-A136-D6BE413FD856}" type="datetime2">
               <a:rPr lang="zh-TW" altLang="en-US" smtClean="0"/>
               <a:pPr/>
-              <a:t>2019年8月3日</a:t>
+              <a:t>2019年8月4日</a:t>
             </a:fld>
             <a:endParaRPr lang="zh-TW" altLang="en-US" dirty="0"/>
           </a:p>
@@ -3164,7 +3166,7 @@
             <a:fld id="{1C505F1D-13CA-494B-AC99-9A38FA204D58}" type="datetime2">
               <a:rPr lang="zh-TW" altLang="en-US" smtClean="0"/>
               <a:pPr/>
-              <a:t>2019年8月3日</a:t>
+              <a:t>2019年8月4日</a:t>
             </a:fld>
             <a:endParaRPr lang="zh-TW" altLang="en-US" dirty="0"/>
           </a:p>
@@ -3475,7 +3477,7 @@
             <a:fld id="{7FFA8332-ED68-45AB-9C33-B2FB139D5BBA}" type="datetime2">
               <a:rPr lang="zh-TW" altLang="en-US" smtClean="0"/>
               <a:pPr/>
-              <a:t>2019年8月3日</a:t>
+              <a:t>2019年8月4日</a:t>
             </a:fld>
             <a:endParaRPr lang="zh-TW" altLang="en-US" dirty="0"/>
           </a:p>
@@ -3776,7 +3778,7 @@
             <a:fld id="{647B3FF6-EE3C-4944-A39A-A8A53A234982}" type="datetime2">
               <a:rPr lang="zh-TW" altLang="en-US" smtClean="0"/>
               <a:pPr/>
-              <a:t>2019年8月3日</a:t>
+              <a:t>2019年8月4日</a:t>
             </a:fld>
             <a:endParaRPr lang="zh-TW" altLang="en-US" dirty="0"/>
           </a:p>
@@ -4080,7 +4082,7 @@
             <a:fld id="{ECC6140C-6E59-40F2-8A97-60E6652F7DA7}" type="datetime2">
               <a:rPr lang="zh-TW" altLang="en-US" smtClean="0"/>
               <a:pPr/>
-              <a:t>2019年8月3日</a:t>
+              <a:t>2019年8月4日</a:t>
             </a:fld>
             <a:endParaRPr lang="zh-TW" altLang="en-US" dirty="0"/>
           </a:p>
@@ -4773,7 +4775,15 @@
             </a:r>
             <a:r>
               <a:rPr lang="zh-TW" altLang="zh-TW" dirty="0"/>
-              <a:t>單向同步</a:t>
+              <a:t>單向</a:t>
+            </a:r>
+            <a:r>
+              <a:rPr lang="zh-TW" altLang="en-US" dirty="0"/>
+              <a:t>整個資料庫</a:t>
+            </a:r>
+            <a:r>
+              <a:rPr lang="zh-TW" altLang="zh-TW" dirty="0"/>
+              <a:t>同步</a:t>
             </a:r>
             <a:r>
               <a:rPr lang="en-US" altLang="zh-TW" dirty="0"/>
@@ -4824,8 +4834,13 @@
             </a:r>
             <a:r>
               <a:rPr lang="zh-TW" altLang="zh-TW" dirty="0"/>
-              <a:t>相互同步</a:t>
-            </a:r>
+              <a:t>相互</a:t>
+            </a:r>
+            <a:r>
+              <a:rPr lang="zh-TW" altLang="en-US" dirty="0"/>
+              <a:t>交換資料</a:t>
+            </a:r>
+            <a:endParaRPr lang="zh-TW" altLang="zh-TW" dirty="0"/>
           </a:p>
           <a:p>
             <a:pPr lvl="1"/>
@@ -5442,7 +5457,7 @@
           <p:cNvPr id="2" name="標題 1">
             <a:extLst>
               <a:ext uri="{FF2B5EF4-FFF2-40B4-BE49-F238E27FC236}">
-                <a16:creationId xmlns:a16="http://schemas.microsoft.com/office/drawing/2014/main" id="{328A8E1C-7A9B-40AC-874D-F498B33FC843}"/>
+                <a16:creationId xmlns:a16="http://schemas.microsoft.com/office/drawing/2014/main" id="{1A29920D-9E85-4294-97B3-264E81BAF5C1}"/>
               </a:ext>
             </a:extLst>
           </p:cNvPr>
@@ -5460,70 +5475,1211 @@
           <a:p>
             <a:r>
               <a:rPr lang="zh-TW" altLang="en-US" dirty="0"/>
-              <a:t>安裝時的功能選擇</a:t>
-            </a:r>
-          </a:p>
-        </p:txBody>
-      </p:sp>
-      <p:sp>
-        <p:nvSpPr>
-          <p:cNvPr id="3" name="內容版面配置區 2">
+              <a:t>各版本支援的功能</a:t>
+            </a:r>
+          </a:p>
+        </p:txBody>
+      </p:sp>
+      <p:graphicFrame>
+        <p:nvGraphicFramePr>
+          <p:cNvPr id="5" name="內容版面配置區 4">
             <a:extLst>
               <a:ext uri="{FF2B5EF4-FFF2-40B4-BE49-F238E27FC236}">
-                <a16:creationId xmlns:a16="http://schemas.microsoft.com/office/drawing/2014/main" id="{5BD97FDE-E1AE-4552-819C-3EFA31624BFC}"/>
+                <a16:creationId xmlns:a16="http://schemas.microsoft.com/office/drawing/2014/main" id="{113ECEBE-B456-434E-A4F7-48C18B83180C}"/>
               </a:ext>
             </a:extLst>
           </p:cNvPr>
-          <p:cNvSpPr>
-            <a:spLocks noGrp="1"/>
-          </p:cNvSpPr>
+          <p:cNvGraphicFramePr>
+            <a:graphicFrameLocks noGrp="1"/>
+          </p:cNvGraphicFramePr>
           <p:nvPr>
             <p:ph idx="13"/>
-          </p:nvPr>
-        </p:nvSpPr>
-        <p:spPr/>
-        <p:txBody>
-          <a:bodyPr/>
-          <a:lstStyle/>
-          <a:p>
-            <a:endParaRPr lang="zh-TW" altLang="en-US"/>
-          </a:p>
-        </p:txBody>
-      </p:sp>
-      <p:pic>
-        <p:nvPicPr>
-          <p:cNvPr id="5" name="圖片 4">
-            <a:extLst>
-              <a:ext uri="{FF2B5EF4-FFF2-40B4-BE49-F238E27FC236}">
-                <a16:creationId xmlns:a16="http://schemas.microsoft.com/office/drawing/2014/main" id="{209C15D0-75D7-4F09-AB4F-FCE934A15CE8}"/>
-              </a:ext>
-            </a:extLst>
-          </p:cNvPr>
-          <p:cNvPicPr>
-            <a:picLocks noChangeAspect="1"/>
-          </p:cNvPicPr>
-          <p:nvPr/>
-        </p:nvPicPr>
-        <p:blipFill>
-          <a:blip r:embed="rId2"/>
-          <a:stretch>
-            <a:fillRect/>
-          </a:stretch>
-        </p:blipFill>
-        <p:spPr>
-          <a:xfrm>
-            <a:off x="4357390" y="188640"/>
-            <a:ext cx="7655891" cy="5616624"/>
-          </a:xfrm>
-          <a:prstGeom prst="rect">
-            <a:avLst/>
-          </a:prstGeom>
-        </p:spPr>
-      </p:pic>
+            <p:extLst>
+              <p:ext uri="{D42A27DB-BD31-4B8C-83A1-F6EECF244321}">
+                <p14:modId xmlns:p14="http://schemas.microsoft.com/office/powerpoint/2010/main" val="2212140789"/>
+              </p:ext>
+            </p:extLst>
+          </p:nvPr>
+        </p:nvGraphicFramePr>
+        <p:xfrm>
+          <a:off x="261764" y="1484784"/>
+          <a:ext cx="11665296" cy="3705225"/>
+        </p:xfrm>
+        <a:graphic>
+          <a:graphicData uri="http://schemas.openxmlformats.org/drawingml/2006/table">
+            <a:tbl>
+              <a:tblPr firstRow="1" bandRow="1">
+                <a:tableStyleId>{912C8C85-51F0-491E-9774-3900AFEF0FD7}</a:tableStyleId>
+              </a:tblPr>
+              <a:tblGrid>
+                <a:gridCol w="1458162">
+                  <a:extLst>
+                    <a:ext uri="{9D8B030D-6E8A-4147-A177-3AD203B41FA5}">
+                      <a16:colId xmlns:a16="http://schemas.microsoft.com/office/drawing/2014/main" val="3241148465"/>
+                    </a:ext>
+                  </a:extLst>
+                </a:gridCol>
+                <a:gridCol w="1458162">
+                  <a:extLst>
+                    <a:ext uri="{9D8B030D-6E8A-4147-A177-3AD203B41FA5}">
+                      <a16:colId xmlns:a16="http://schemas.microsoft.com/office/drawing/2014/main" val="2017950137"/>
+                    </a:ext>
+                  </a:extLst>
+                </a:gridCol>
+                <a:gridCol w="1458162">
+                  <a:extLst>
+                    <a:ext uri="{9D8B030D-6E8A-4147-A177-3AD203B41FA5}">
+                      <a16:colId xmlns:a16="http://schemas.microsoft.com/office/drawing/2014/main" val="1817428288"/>
+                    </a:ext>
+                  </a:extLst>
+                </a:gridCol>
+                <a:gridCol w="1458162">
+                  <a:extLst>
+                    <a:ext uri="{9D8B030D-6E8A-4147-A177-3AD203B41FA5}">
+                      <a16:colId xmlns:a16="http://schemas.microsoft.com/office/drawing/2014/main" val="3178264133"/>
+                    </a:ext>
+                  </a:extLst>
+                </a:gridCol>
+                <a:gridCol w="1458162">
+                  <a:extLst>
+                    <a:ext uri="{9D8B030D-6E8A-4147-A177-3AD203B41FA5}">
+                      <a16:colId xmlns:a16="http://schemas.microsoft.com/office/drawing/2014/main" val="1287556584"/>
+                    </a:ext>
+                  </a:extLst>
+                </a:gridCol>
+                <a:gridCol w="1458162">
+                  <a:extLst>
+                    <a:ext uri="{9D8B030D-6E8A-4147-A177-3AD203B41FA5}">
+                      <a16:colId xmlns:a16="http://schemas.microsoft.com/office/drawing/2014/main" val="520102592"/>
+                    </a:ext>
+                  </a:extLst>
+                </a:gridCol>
+                <a:gridCol w="1458162">
+                  <a:extLst>
+                    <a:ext uri="{9D8B030D-6E8A-4147-A177-3AD203B41FA5}">
+                      <a16:colId xmlns:a16="http://schemas.microsoft.com/office/drawing/2014/main" val="513586887"/>
+                    </a:ext>
+                  </a:extLst>
+                </a:gridCol>
+                <a:gridCol w="1458162">
+                  <a:extLst>
+                    <a:ext uri="{9D8B030D-6E8A-4147-A177-3AD203B41FA5}">
+                      <a16:colId xmlns:a16="http://schemas.microsoft.com/office/drawing/2014/main" val="2816158507"/>
+                    </a:ext>
+                  </a:extLst>
+                </a:gridCol>
+              </a:tblGrid>
+              <a:tr h="634939">
+                <a:tc>
+                  <a:txBody>
+                    <a:bodyPr/>
+                    <a:lstStyle/>
+                    <a:p>
+                      <a:pPr algn="l" fontAlgn="b"/>
+                      <a:r>
+                        <a:rPr lang="en-US" sz="1600" u="none" strike="noStrike" dirty="0">
+                          <a:effectLst/>
+                        </a:rPr>
+                        <a:t>Feature Name</a:t>
+                      </a:r>
+                      <a:endParaRPr lang="en-US" sz="1600" b="1" i="0" u="none" strike="noStrike" dirty="0">
+                        <a:solidFill>
+                          <a:srgbClr val="000000"/>
+                        </a:solidFill>
+                        <a:effectLst/>
+                        <a:latin typeface="Segoe UI" panose="020B0502040204020203" pitchFamily="34" charset="0"/>
+                        <a:ea typeface="新細明體" panose="02020500000000000000" pitchFamily="18" charset="-120"/>
+                      </a:endParaRPr>
+                    </a:p>
+                  </a:txBody>
+                  <a:tcPr marL="142875" marR="9525" marT="9525" marB="0" anchor="b"/>
+                </a:tc>
+                <a:tc>
+                  <a:txBody>
+                    <a:bodyPr/>
+                    <a:lstStyle/>
+                    <a:p>
+                      <a:pPr algn="l" fontAlgn="b"/>
+                      <a:r>
+                        <a:rPr lang="en-US" sz="1600" u="none" strike="noStrike" dirty="0">
+                          <a:effectLst/>
+                        </a:rPr>
+                        <a:t>Enterprise</a:t>
+                      </a:r>
+                      <a:endParaRPr lang="en-US" sz="1600" b="1" i="0" u="none" strike="noStrike" dirty="0">
+                        <a:solidFill>
+                          <a:srgbClr val="000000"/>
+                        </a:solidFill>
+                        <a:effectLst/>
+                        <a:latin typeface="Segoe UI" panose="020B0502040204020203" pitchFamily="34" charset="0"/>
+                        <a:ea typeface="新細明體" panose="02020500000000000000" pitchFamily="18" charset="-120"/>
+                      </a:endParaRPr>
+                    </a:p>
+                  </a:txBody>
+                  <a:tcPr marL="142875" marR="9525" marT="9525" marB="0" anchor="b"/>
+                </a:tc>
+                <a:tc>
+                  <a:txBody>
+                    <a:bodyPr/>
+                    <a:lstStyle/>
+                    <a:p>
+                      <a:pPr algn="l" fontAlgn="b"/>
+                      <a:r>
+                        <a:rPr lang="en-US" sz="1600" u="none" strike="noStrike" dirty="0">
+                          <a:effectLst/>
+                        </a:rPr>
+                        <a:t>Business Intelligence</a:t>
+                      </a:r>
+                      <a:endParaRPr lang="en-US" sz="1600" b="1" i="0" u="none" strike="noStrike" dirty="0">
+                        <a:solidFill>
+                          <a:srgbClr val="000000"/>
+                        </a:solidFill>
+                        <a:effectLst/>
+                        <a:latin typeface="Segoe UI" panose="020B0502040204020203" pitchFamily="34" charset="0"/>
+                        <a:ea typeface="新細明體" panose="02020500000000000000" pitchFamily="18" charset="-120"/>
+                      </a:endParaRPr>
+                    </a:p>
+                  </a:txBody>
+                  <a:tcPr marL="142875" marR="9525" marT="9525" marB="0" anchor="b"/>
+                </a:tc>
+                <a:tc>
+                  <a:txBody>
+                    <a:bodyPr/>
+                    <a:lstStyle/>
+                    <a:p>
+                      <a:pPr algn="l" fontAlgn="b"/>
+                      <a:r>
+                        <a:rPr lang="en-US" sz="1600" u="none" strike="noStrike" dirty="0">
+                          <a:effectLst/>
+                        </a:rPr>
+                        <a:t>Standard</a:t>
+                      </a:r>
+                      <a:endParaRPr lang="en-US" sz="1600" b="1" i="0" u="none" strike="noStrike" dirty="0">
+                        <a:solidFill>
+                          <a:srgbClr val="000000"/>
+                        </a:solidFill>
+                        <a:effectLst/>
+                        <a:latin typeface="Segoe UI" panose="020B0502040204020203" pitchFamily="34" charset="0"/>
+                        <a:ea typeface="新細明體" panose="02020500000000000000" pitchFamily="18" charset="-120"/>
+                      </a:endParaRPr>
+                    </a:p>
+                  </a:txBody>
+                  <a:tcPr marL="142875" marR="9525" marT="9525" marB="0" anchor="b"/>
+                </a:tc>
+                <a:tc>
+                  <a:txBody>
+                    <a:bodyPr/>
+                    <a:lstStyle/>
+                    <a:p>
+                      <a:pPr algn="l" fontAlgn="b"/>
+                      <a:r>
+                        <a:rPr lang="en-US" sz="1600" u="none" strike="noStrike" dirty="0">
+                          <a:effectLst/>
+                        </a:rPr>
+                        <a:t>Web</a:t>
+                      </a:r>
+                      <a:endParaRPr lang="en-US" sz="1600" b="1" i="0" u="none" strike="noStrike" dirty="0">
+                        <a:solidFill>
+                          <a:srgbClr val="000000"/>
+                        </a:solidFill>
+                        <a:effectLst/>
+                        <a:latin typeface="Segoe UI" panose="020B0502040204020203" pitchFamily="34" charset="0"/>
+                        <a:ea typeface="新細明體" panose="02020500000000000000" pitchFamily="18" charset="-120"/>
+                      </a:endParaRPr>
+                    </a:p>
+                  </a:txBody>
+                  <a:tcPr marL="142875" marR="9525" marT="9525" marB="0" anchor="b"/>
+                </a:tc>
+                <a:tc>
+                  <a:txBody>
+                    <a:bodyPr/>
+                    <a:lstStyle/>
+                    <a:p>
+                      <a:pPr algn="l" fontAlgn="b"/>
+                      <a:r>
+                        <a:rPr lang="en-US" sz="1600" u="none" strike="noStrike" dirty="0">
+                          <a:effectLst/>
+                        </a:rPr>
+                        <a:t>Express with Advanced Services</a:t>
+                      </a:r>
+                      <a:endParaRPr lang="en-US" sz="1600" b="1" i="0" u="none" strike="noStrike" dirty="0">
+                        <a:solidFill>
+                          <a:srgbClr val="000000"/>
+                        </a:solidFill>
+                        <a:effectLst/>
+                        <a:latin typeface="Segoe UI" panose="020B0502040204020203" pitchFamily="34" charset="0"/>
+                        <a:ea typeface="新細明體" panose="02020500000000000000" pitchFamily="18" charset="-120"/>
+                      </a:endParaRPr>
+                    </a:p>
+                  </a:txBody>
+                  <a:tcPr marL="142875" marR="9525" marT="9525" marB="0" anchor="b"/>
+                </a:tc>
+                <a:tc>
+                  <a:txBody>
+                    <a:bodyPr/>
+                    <a:lstStyle/>
+                    <a:p>
+                      <a:pPr algn="l" fontAlgn="b"/>
+                      <a:r>
+                        <a:rPr lang="en-US" sz="1600" u="none" strike="noStrike" dirty="0">
+                          <a:effectLst/>
+                        </a:rPr>
+                        <a:t>Express with Tools</a:t>
+                      </a:r>
+                      <a:endParaRPr lang="en-US" sz="1600" b="1" i="0" u="none" strike="noStrike" dirty="0">
+                        <a:solidFill>
+                          <a:srgbClr val="000000"/>
+                        </a:solidFill>
+                        <a:effectLst/>
+                        <a:latin typeface="Segoe UI" panose="020B0502040204020203" pitchFamily="34" charset="0"/>
+                        <a:ea typeface="新細明體" panose="02020500000000000000" pitchFamily="18" charset="-120"/>
+                      </a:endParaRPr>
+                    </a:p>
+                  </a:txBody>
+                  <a:tcPr marL="142875" marR="9525" marT="9525" marB="0" anchor="b"/>
+                </a:tc>
+                <a:tc>
+                  <a:txBody>
+                    <a:bodyPr/>
+                    <a:lstStyle/>
+                    <a:p>
+                      <a:pPr algn="l" fontAlgn="b"/>
+                      <a:r>
+                        <a:rPr lang="en-US" sz="1600" u="none" strike="noStrike" dirty="0">
+                          <a:effectLst/>
+                        </a:rPr>
+                        <a:t>Express</a:t>
+                      </a:r>
+                      <a:endParaRPr lang="en-US" sz="1600" b="1" i="0" u="none" strike="noStrike" dirty="0">
+                        <a:solidFill>
+                          <a:srgbClr val="000000"/>
+                        </a:solidFill>
+                        <a:effectLst/>
+                        <a:latin typeface="Segoe UI" panose="020B0502040204020203" pitchFamily="34" charset="0"/>
+                        <a:ea typeface="新細明體" panose="02020500000000000000" pitchFamily="18" charset="-120"/>
+                      </a:endParaRPr>
+                    </a:p>
+                  </a:txBody>
+                  <a:tcPr marL="142875" marR="9525" marT="9525" marB="0" anchor="b"/>
+                </a:tc>
+                <a:extLst>
+                  <a:ext uri="{0D108BD9-81ED-4DB2-BD59-A6C34878D82A}">
+                    <a16:rowId xmlns:a16="http://schemas.microsoft.com/office/drawing/2014/main" val="1660350621"/>
+                  </a:ext>
+                </a:extLst>
+              </a:tr>
+              <a:tr h="426905">
+                <a:tc>
+                  <a:txBody>
+                    <a:bodyPr/>
+                    <a:lstStyle/>
+                    <a:p>
+                      <a:pPr algn="l" fontAlgn="t"/>
+                      <a:r>
+                        <a:rPr lang="en-US" sz="1600" u="none" strike="noStrike" dirty="0">
+                          <a:effectLst/>
+                        </a:rPr>
+                        <a:t>Merge replication</a:t>
+                      </a:r>
+                      <a:endParaRPr lang="en-US" sz="1600" b="0" i="0" u="none" strike="noStrike" dirty="0">
+                        <a:solidFill>
+                          <a:srgbClr val="000000"/>
+                        </a:solidFill>
+                        <a:effectLst/>
+                        <a:latin typeface="Segoe UI" panose="020B0502040204020203" pitchFamily="34" charset="0"/>
+                        <a:ea typeface="新細明體" panose="02020500000000000000" pitchFamily="18" charset="-120"/>
+                      </a:endParaRPr>
+                    </a:p>
+                  </a:txBody>
+                  <a:tcPr marL="142875" marR="9525" marT="9525" marB="0"/>
+                </a:tc>
+                <a:tc>
+                  <a:txBody>
+                    <a:bodyPr/>
+                    <a:lstStyle/>
+                    <a:p>
+                      <a:pPr algn="l" fontAlgn="t"/>
+                      <a:r>
+                        <a:rPr lang="en-US" sz="1600" u="none" strike="noStrike" dirty="0">
+                          <a:effectLst/>
+                        </a:rPr>
+                        <a:t>Yes</a:t>
+                      </a:r>
+                      <a:endParaRPr lang="en-US" sz="1600" b="0" i="0" u="none" strike="noStrike" dirty="0">
+                        <a:solidFill>
+                          <a:srgbClr val="000000"/>
+                        </a:solidFill>
+                        <a:effectLst/>
+                        <a:latin typeface="Segoe UI" panose="020B0502040204020203" pitchFamily="34" charset="0"/>
+                        <a:ea typeface="新細明體" panose="02020500000000000000" pitchFamily="18" charset="-120"/>
+                      </a:endParaRPr>
+                    </a:p>
+                  </a:txBody>
+                  <a:tcPr marL="142875" marR="9525" marT="9525" marB="0"/>
+                </a:tc>
+                <a:tc>
+                  <a:txBody>
+                    <a:bodyPr/>
+                    <a:lstStyle/>
+                    <a:p>
+                      <a:pPr algn="l" fontAlgn="t"/>
+                      <a:r>
+                        <a:rPr lang="en-US" sz="1600" u="none" strike="noStrike">
+                          <a:effectLst/>
+                        </a:rPr>
+                        <a:t>Yes</a:t>
+                      </a:r>
+                      <a:endParaRPr lang="en-US" sz="1600" b="0" i="0" u="none" strike="noStrike">
+                        <a:solidFill>
+                          <a:srgbClr val="000000"/>
+                        </a:solidFill>
+                        <a:effectLst/>
+                        <a:latin typeface="Segoe UI" panose="020B0502040204020203" pitchFamily="34" charset="0"/>
+                        <a:ea typeface="新細明體" panose="02020500000000000000" pitchFamily="18" charset="-120"/>
+                      </a:endParaRPr>
+                    </a:p>
+                  </a:txBody>
+                  <a:tcPr marL="142875" marR="9525" marT="9525" marB="0"/>
+                </a:tc>
+                <a:tc>
+                  <a:txBody>
+                    <a:bodyPr/>
+                    <a:lstStyle/>
+                    <a:p>
+                      <a:pPr algn="l" fontAlgn="t"/>
+                      <a:r>
+                        <a:rPr lang="en-US" sz="1600" u="none" strike="noStrike">
+                          <a:effectLst/>
+                        </a:rPr>
+                        <a:t>Yes</a:t>
+                      </a:r>
+                      <a:endParaRPr lang="en-US" sz="1600" b="0" i="0" u="none" strike="noStrike">
+                        <a:solidFill>
+                          <a:srgbClr val="000000"/>
+                        </a:solidFill>
+                        <a:effectLst/>
+                        <a:latin typeface="Segoe UI" panose="020B0502040204020203" pitchFamily="34" charset="0"/>
+                        <a:ea typeface="新細明體" panose="02020500000000000000" pitchFamily="18" charset="-120"/>
+                      </a:endParaRPr>
+                    </a:p>
+                  </a:txBody>
+                  <a:tcPr marL="142875" marR="9525" marT="9525" marB="0"/>
+                </a:tc>
+                <a:tc>
+                  <a:txBody>
+                    <a:bodyPr/>
+                    <a:lstStyle/>
+                    <a:p>
+                      <a:pPr algn="l" fontAlgn="t"/>
+                      <a:r>
+                        <a:rPr lang="en-US" sz="1600" u="none" strike="noStrike" dirty="0">
+                          <a:effectLst/>
+                        </a:rPr>
+                        <a:t>Yes</a:t>
+                      </a:r>
+                    </a:p>
+                    <a:p>
+                      <a:pPr algn="l" fontAlgn="t"/>
+                      <a:r>
+                        <a:rPr lang="en-US" sz="1600" u="none" strike="noStrike" dirty="0">
+                          <a:effectLst/>
+                        </a:rPr>
+                        <a:t>(Subscriber only)</a:t>
+                      </a:r>
+                      <a:endParaRPr lang="en-US" sz="1600" b="0" i="0" u="none" strike="noStrike" dirty="0">
+                        <a:solidFill>
+                          <a:srgbClr val="000000"/>
+                        </a:solidFill>
+                        <a:effectLst/>
+                        <a:latin typeface="Segoe UI" panose="020B0502040204020203" pitchFamily="34" charset="0"/>
+                        <a:ea typeface="新細明體" panose="02020500000000000000" pitchFamily="18" charset="-120"/>
+                      </a:endParaRPr>
+                    </a:p>
+                  </a:txBody>
+                  <a:tcPr marL="142875" marR="9525" marT="9525" marB="0"/>
+                </a:tc>
+                <a:tc>
+                  <a:txBody>
+                    <a:bodyPr/>
+                    <a:lstStyle/>
+                    <a:p>
+                      <a:pPr algn="l" fontAlgn="t"/>
+                      <a:r>
+                        <a:rPr lang="en-US" sz="1600" u="none" strike="noStrike" dirty="0">
+                          <a:effectLst/>
+                        </a:rPr>
+                        <a:t>Yes</a:t>
+                      </a:r>
+                    </a:p>
+                    <a:p>
+                      <a:pPr algn="l" fontAlgn="t"/>
+                      <a:r>
+                        <a:rPr lang="en-US" sz="1600" u="none" strike="noStrike" dirty="0">
+                          <a:effectLst/>
+                        </a:rPr>
+                        <a:t>(Subscriber only)</a:t>
+                      </a:r>
+                      <a:endParaRPr lang="en-US" sz="1600" b="0" i="0" u="none" strike="noStrike" dirty="0">
+                        <a:solidFill>
+                          <a:srgbClr val="000000"/>
+                        </a:solidFill>
+                        <a:effectLst/>
+                        <a:latin typeface="Segoe UI" panose="020B0502040204020203" pitchFamily="34" charset="0"/>
+                        <a:ea typeface="新細明體" panose="02020500000000000000" pitchFamily="18" charset="-120"/>
+                      </a:endParaRPr>
+                    </a:p>
+                  </a:txBody>
+                  <a:tcPr marL="142875" marR="9525" marT="9525" marB="0"/>
+                </a:tc>
+                <a:tc>
+                  <a:txBody>
+                    <a:bodyPr/>
+                    <a:lstStyle/>
+                    <a:p>
+                      <a:pPr algn="l" fontAlgn="t"/>
+                      <a:r>
+                        <a:rPr lang="en-US" sz="1600" u="none" strike="noStrike" dirty="0">
+                          <a:effectLst/>
+                        </a:rPr>
+                        <a:t>Yes</a:t>
+                      </a:r>
+                    </a:p>
+                    <a:p>
+                      <a:pPr algn="l" fontAlgn="t"/>
+                      <a:r>
+                        <a:rPr lang="en-US" sz="1600" u="none" strike="noStrike" dirty="0">
+                          <a:effectLst/>
+                        </a:rPr>
+                        <a:t>(Subscriber only)</a:t>
+                      </a:r>
+                      <a:endParaRPr lang="en-US" sz="1600" b="0" i="0" u="none" strike="noStrike" dirty="0">
+                        <a:solidFill>
+                          <a:srgbClr val="000000"/>
+                        </a:solidFill>
+                        <a:effectLst/>
+                        <a:latin typeface="Segoe UI" panose="020B0502040204020203" pitchFamily="34" charset="0"/>
+                        <a:ea typeface="新細明體" panose="02020500000000000000" pitchFamily="18" charset="-120"/>
+                      </a:endParaRPr>
+                    </a:p>
+                  </a:txBody>
+                  <a:tcPr marL="142875" marR="9525" marT="9525" marB="0"/>
+                </a:tc>
+                <a:tc>
+                  <a:txBody>
+                    <a:bodyPr/>
+                    <a:lstStyle/>
+                    <a:p>
+                      <a:pPr algn="l" fontAlgn="t"/>
+                      <a:r>
+                        <a:rPr lang="en-US" sz="1600" u="none" strike="noStrike" dirty="0">
+                          <a:effectLst/>
+                        </a:rPr>
+                        <a:t>Yes</a:t>
+                      </a:r>
+                    </a:p>
+                    <a:p>
+                      <a:pPr algn="l" fontAlgn="t"/>
+                      <a:r>
+                        <a:rPr lang="en-US" sz="1600" u="none" strike="noStrike" dirty="0">
+                          <a:effectLst/>
+                        </a:rPr>
+                        <a:t>(Subscriber only)</a:t>
+                      </a:r>
+                      <a:endParaRPr lang="en-US" sz="1600" b="0" i="0" u="none" strike="noStrike" dirty="0">
+                        <a:solidFill>
+                          <a:srgbClr val="000000"/>
+                        </a:solidFill>
+                        <a:effectLst/>
+                        <a:latin typeface="Segoe UI" panose="020B0502040204020203" pitchFamily="34" charset="0"/>
+                        <a:ea typeface="新細明體" panose="02020500000000000000" pitchFamily="18" charset="-120"/>
+                      </a:endParaRPr>
+                    </a:p>
+                  </a:txBody>
+                  <a:tcPr marL="142875" marR="9525" marT="9525" marB="0"/>
+                </a:tc>
+                <a:extLst>
+                  <a:ext uri="{0D108BD9-81ED-4DB2-BD59-A6C34878D82A}">
+                    <a16:rowId xmlns:a16="http://schemas.microsoft.com/office/drawing/2014/main" val="1792845706"/>
+                  </a:ext>
+                </a:extLst>
+              </a:tr>
+              <a:tr h="426905">
+                <a:tc>
+                  <a:txBody>
+                    <a:bodyPr/>
+                    <a:lstStyle/>
+                    <a:p>
+                      <a:pPr algn="l" fontAlgn="t"/>
+                      <a:r>
+                        <a:rPr lang="en-US" sz="1600" u="none" strike="noStrike" dirty="0">
+                          <a:effectLst/>
+                        </a:rPr>
+                        <a:t>Transactional replication</a:t>
+                      </a:r>
+                      <a:endParaRPr lang="en-US" sz="1600" b="0" i="0" u="none" strike="noStrike" dirty="0">
+                        <a:solidFill>
+                          <a:srgbClr val="000000"/>
+                        </a:solidFill>
+                        <a:effectLst/>
+                        <a:latin typeface="Segoe UI" panose="020B0502040204020203" pitchFamily="34" charset="0"/>
+                        <a:ea typeface="新細明體" panose="02020500000000000000" pitchFamily="18" charset="-120"/>
+                      </a:endParaRPr>
+                    </a:p>
+                  </a:txBody>
+                  <a:tcPr marL="142875" marR="9525" marT="9525" marB="0"/>
+                </a:tc>
+                <a:tc>
+                  <a:txBody>
+                    <a:bodyPr/>
+                    <a:lstStyle/>
+                    <a:p>
+                      <a:pPr algn="l" fontAlgn="t"/>
+                      <a:r>
+                        <a:rPr lang="en-US" sz="1600" u="none" strike="noStrike" dirty="0">
+                          <a:effectLst/>
+                        </a:rPr>
+                        <a:t>Yes</a:t>
+                      </a:r>
+                      <a:endParaRPr lang="en-US" sz="1600" b="0" i="0" u="none" strike="noStrike" dirty="0">
+                        <a:solidFill>
+                          <a:srgbClr val="000000"/>
+                        </a:solidFill>
+                        <a:effectLst/>
+                        <a:latin typeface="Segoe UI" panose="020B0502040204020203" pitchFamily="34" charset="0"/>
+                        <a:ea typeface="新細明體" panose="02020500000000000000" pitchFamily="18" charset="-120"/>
+                      </a:endParaRPr>
+                    </a:p>
+                  </a:txBody>
+                  <a:tcPr marL="142875" marR="9525" marT="9525" marB="0"/>
+                </a:tc>
+                <a:tc>
+                  <a:txBody>
+                    <a:bodyPr/>
+                    <a:lstStyle/>
+                    <a:p>
+                      <a:pPr algn="l" fontAlgn="t"/>
+                      <a:r>
+                        <a:rPr lang="en-US" sz="1600" u="none" strike="noStrike" dirty="0">
+                          <a:effectLst/>
+                        </a:rPr>
+                        <a:t>Yes</a:t>
+                      </a:r>
+                      <a:endParaRPr lang="en-US" sz="1600" b="0" i="0" u="none" strike="noStrike" dirty="0">
+                        <a:solidFill>
+                          <a:srgbClr val="000000"/>
+                        </a:solidFill>
+                        <a:effectLst/>
+                        <a:latin typeface="Segoe UI" panose="020B0502040204020203" pitchFamily="34" charset="0"/>
+                        <a:ea typeface="新細明體" panose="02020500000000000000" pitchFamily="18" charset="-120"/>
+                      </a:endParaRPr>
+                    </a:p>
+                  </a:txBody>
+                  <a:tcPr marL="142875" marR="9525" marT="9525" marB="0"/>
+                </a:tc>
+                <a:tc>
+                  <a:txBody>
+                    <a:bodyPr/>
+                    <a:lstStyle/>
+                    <a:p>
+                      <a:pPr algn="l" fontAlgn="t"/>
+                      <a:r>
+                        <a:rPr lang="en-US" sz="1600" u="none" strike="noStrike">
+                          <a:effectLst/>
+                        </a:rPr>
+                        <a:t>Yes</a:t>
+                      </a:r>
+                      <a:endParaRPr lang="en-US" sz="1600" b="0" i="0" u="none" strike="noStrike">
+                        <a:solidFill>
+                          <a:srgbClr val="000000"/>
+                        </a:solidFill>
+                        <a:effectLst/>
+                        <a:latin typeface="Segoe UI" panose="020B0502040204020203" pitchFamily="34" charset="0"/>
+                        <a:ea typeface="新細明體" panose="02020500000000000000" pitchFamily="18" charset="-120"/>
+                      </a:endParaRPr>
+                    </a:p>
+                  </a:txBody>
+                  <a:tcPr marL="142875" marR="9525" marT="9525" marB="0"/>
+                </a:tc>
+                <a:tc>
+                  <a:txBody>
+                    <a:bodyPr/>
+                    <a:lstStyle/>
+                    <a:p>
+                      <a:pPr algn="l" fontAlgn="t"/>
+                      <a:r>
+                        <a:rPr lang="en-US" sz="1600" u="none" strike="noStrike" dirty="0">
+                          <a:effectLst/>
+                        </a:rPr>
+                        <a:t>Yes</a:t>
+                      </a:r>
+                    </a:p>
+                    <a:p>
+                      <a:pPr algn="l" fontAlgn="t"/>
+                      <a:r>
+                        <a:rPr lang="en-US" sz="1600" u="none" strike="noStrike" dirty="0">
+                          <a:effectLst/>
+                        </a:rPr>
+                        <a:t>(Subscriber only)</a:t>
+                      </a:r>
+                      <a:endParaRPr lang="en-US" sz="1600" b="0" i="0" u="none" strike="noStrike" dirty="0">
+                        <a:solidFill>
+                          <a:srgbClr val="000000"/>
+                        </a:solidFill>
+                        <a:effectLst/>
+                        <a:latin typeface="Segoe UI" panose="020B0502040204020203" pitchFamily="34" charset="0"/>
+                        <a:ea typeface="新細明體" panose="02020500000000000000" pitchFamily="18" charset="-120"/>
+                      </a:endParaRPr>
+                    </a:p>
+                  </a:txBody>
+                  <a:tcPr marL="142875" marR="9525" marT="9525" marB="0"/>
+                </a:tc>
+                <a:tc>
+                  <a:txBody>
+                    <a:bodyPr/>
+                    <a:lstStyle/>
+                    <a:p>
+                      <a:pPr algn="l" fontAlgn="t"/>
+                      <a:r>
+                        <a:rPr lang="en-US" sz="1600" u="none" strike="noStrike" dirty="0">
+                          <a:effectLst/>
+                        </a:rPr>
+                        <a:t>Yes</a:t>
+                      </a:r>
+                    </a:p>
+                    <a:p>
+                      <a:pPr algn="l" fontAlgn="t"/>
+                      <a:r>
+                        <a:rPr lang="en-US" sz="1600" u="none" strike="noStrike" dirty="0">
+                          <a:effectLst/>
+                        </a:rPr>
+                        <a:t>(Subscriber only)</a:t>
+                      </a:r>
+                      <a:endParaRPr lang="en-US" sz="1600" b="0" i="0" u="none" strike="noStrike" dirty="0">
+                        <a:solidFill>
+                          <a:srgbClr val="000000"/>
+                        </a:solidFill>
+                        <a:effectLst/>
+                        <a:latin typeface="Segoe UI" panose="020B0502040204020203" pitchFamily="34" charset="0"/>
+                        <a:ea typeface="新細明體" panose="02020500000000000000" pitchFamily="18" charset="-120"/>
+                      </a:endParaRPr>
+                    </a:p>
+                  </a:txBody>
+                  <a:tcPr marL="142875" marR="9525" marT="9525" marB="0"/>
+                </a:tc>
+                <a:tc>
+                  <a:txBody>
+                    <a:bodyPr/>
+                    <a:lstStyle/>
+                    <a:p>
+                      <a:pPr algn="l" fontAlgn="t"/>
+                      <a:r>
+                        <a:rPr lang="en-US" sz="1600" u="none" strike="noStrike" dirty="0">
+                          <a:effectLst/>
+                        </a:rPr>
+                        <a:t>Yes</a:t>
+                      </a:r>
+                    </a:p>
+                    <a:p>
+                      <a:pPr algn="l" fontAlgn="t"/>
+                      <a:r>
+                        <a:rPr lang="en-US" sz="1600" u="none" strike="noStrike" dirty="0">
+                          <a:effectLst/>
+                        </a:rPr>
+                        <a:t>(Subscriber only)</a:t>
+                      </a:r>
+                      <a:endParaRPr lang="en-US" sz="1600" b="0" i="0" u="none" strike="noStrike" dirty="0">
+                        <a:solidFill>
+                          <a:srgbClr val="000000"/>
+                        </a:solidFill>
+                        <a:effectLst/>
+                        <a:latin typeface="Segoe UI" panose="020B0502040204020203" pitchFamily="34" charset="0"/>
+                        <a:ea typeface="新細明體" panose="02020500000000000000" pitchFamily="18" charset="-120"/>
+                      </a:endParaRPr>
+                    </a:p>
+                  </a:txBody>
+                  <a:tcPr marL="142875" marR="9525" marT="9525" marB="0"/>
+                </a:tc>
+                <a:tc>
+                  <a:txBody>
+                    <a:bodyPr/>
+                    <a:lstStyle/>
+                    <a:p>
+                      <a:pPr algn="l" fontAlgn="t"/>
+                      <a:r>
+                        <a:rPr lang="en-US" sz="1600" u="none" strike="noStrike" dirty="0">
+                          <a:effectLst/>
+                        </a:rPr>
+                        <a:t>Yes</a:t>
+                      </a:r>
+                    </a:p>
+                    <a:p>
+                      <a:pPr algn="l" fontAlgn="t"/>
+                      <a:r>
+                        <a:rPr lang="en-US" sz="1600" u="none" strike="noStrike" dirty="0">
+                          <a:effectLst/>
+                        </a:rPr>
+                        <a:t>(Subscriber only)</a:t>
+                      </a:r>
+                      <a:endParaRPr lang="en-US" sz="1600" b="0" i="0" u="none" strike="noStrike" dirty="0">
+                        <a:solidFill>
+                          <a:srgbClr val="000000"/>
+                        </a:solidFill>
+                        <a:effectLst/>
+                        <a:latin typeface="Segoe UI" panose="020B0502040204020203" pitchFamily="34" charset="0"/>
+                        <a:ea typeface="新細明體" panose="02020500000000000000" pitchFamily="18" charset="-120"/>
+                      </a:endParaRPr>
+                    </a:p>
+                  </a:txBody>
+                  <a:tcPr marL="142875" marR="9525" marT="9525" marB="0"/>
+                </a:tc>
+                <a:extLst>
+                  <a:ext uri="{0D108BD9-81ED-4DB2-BD59-A6C34878D82A}">
+                    <a16:rowId xmlns:a16="http://schemas.microsoft.com/office/drawing/2014/main" val="1917824128"/>
+                  </a:ext>
+                </a:extLst>
+              </a:tr>
+              <a:tr h="426905">
+                <a:tc>
+                  <a:txBody>
+                    <a:bodyPr/>
+                    <a:lstStyle/>
+                    <a:p>
+                      <a:pPr algn="l" fontAlgn="t"/>
+                      <a:r>
+                        <a:rPr lang="en-US" sz="1600" u="none" strike="noStrike" dirty="0">
+                          <a:effectLst/>
+                        </a:rPr>
+                        <a:t>Snapshot replication</a:t>
+                      </a:r>
+                      <a:endParaRPr lang="en-US" sz="1600" b="0" i="0" u="none" strike="noStrike" dirty="0">
+                        <a:solidFill>
+                          <a:srgbClr val="000000"/>
+                        </a:solidFill>
+                        <a:effectLst/>
+                        <a:latin typeface="Segoe UI" panose="020B0502040204020203" pitchFamily="34" charset="0"/>
+                        <a:ea typeface="新細明體" panose="02020500000000000000" pitchFamily="18" charset="-120"/>
+                      </a:endParaRPr>
+                    </a:p>
+                  </a:txBody>
+                  <a:tcPr marL="142875" marR="9525" marT="9525" marB="0"/>
+                </a:tc>
+                <a:tc>
+                  <a:txBody>
+                    <a:bodyPr/>
+                    <a:lstStyle/>
+                    <a:p>
+                      <a:pPr algn="l" fontAlgn="t"/>
+                      <a:r>
+                        <a:rPr lang="en-US" sz="1600" u="none" strike="noStrike">
+                          <a:effectLst/>
+                        </a:rPr>
+                        <a:t>Yes</a:t>
+                      </a:r>
+                      <a:endParaRPr lang="en-US" sz="1600" b="0" i="0" u="none" strike="noStrike">
+                        <a:solidFill>
+                          <a:srgbClr val="000000"/>
+                        </a:solidFill>
+                        <a:effectLst/>
+                        <a:latin typeface="Segoe UI" panose="020B0502040204020203" pitchFamily="34" charset="0"/>
+                        <a:ea typeface="新細明體" panose="02020500000000000000" pitchFamily="18" charset="-120"/>
+                      </a:endParaRPr>
+                    </a:p>
+                  </a:txBody>
+                  <a:tcPr marL="142875" marR="9525" marT="9525" marB="0"/>
+                </a:tc>
+                <a:tc>
+                  <a:txBody>
+                    <a:bodyPr/>
+                    <a:lstStyle/>
+                    <a:p>
+                      <a:pPr algn="l" fontAlgn="t"/>
+                      <a:r>
+                        <a:rPr lang="en-US" sz="1600" u="none" strike="noStrike">
+                          <a:effectLst/>
+                        </a:rPr>
+                        <a:t>Yes</a:t>
+                      </a:r>
+                      <a:endParaRPr lang="en-US" sz="1600" b="0" i="0" u="none" strike="noStrike">
+                        <a:solidFill>
+                          <a:srgbClr val="000000"/>
+                        </a:solidFill>
+                        <a:effectLst/>
+                        <a:latin typeface="Segoe UI" panose="020B0502040204020203" pitchFamily="34" charset="0"/>
+                        <a:ea typeface="新細明體" panose="02020500000000000000" pitchFamily="18" charset="-120"/>
+                      </a:endParaRPr>
+                    </a:p>
+                  </a:txBody>
+                  <a:tcPr marL="142875" marR="9525" marT="9525" marB="0"/>
+                </a:tc>
+                <a:tc>
+                  <a:txBody>
+                    <a:bodyPr/>
+                    <a:lstStyle/>
+                    <a:p>
+                      <a:pPr algn="l" fontAlgn="t"/>
+                      <a:r>
+                        <a:rPr lang="en-US" sz="1600" u="none" strike="noStrike" dirty="0">
+                          <a:effectLst/>
+                        </a:rPr>
+                        <a:t>Yes</a:t>
+                      </a:r>
+                      <a:endParaRPr lang="en-US" sz="1600" b="0" i="0" u="none" strike="noStrike" dirty="0">
+                        <a:solidFill>
+                          <a:srgbClr val="000000"/>
+                        </a:solidFill>
+                        <a:effectLst/>
+                        <a:latin typeface="Segoe UI" panose="020B0502040204020203" pitchFamily="34" charset="0"/>
+                        <a:ea typeface="新細明體" panose="02020500000000000000" pitchFamily="18" charset="-120"/>
+                      </a:endParaRPr>
+                    </a:p>
+                  </a:txBody>
+                  <a:tcPr marL="142875" marR="9525" marT="9525" marB="0"/>
+                </a:tc>
+                <a:tc>
+                  <a:txBody>
+                    <a:bodyPr/>
+                    <a:lstStyle/>
+                    <a:p>
+                      <a:pPr algn="l" fontAlgn="t"/>
+                      <a:r>
+                        <a:rPr lang="en-US" sz="1600" u="none" strike="noStrike" dirty="0">
+                          <a:effectLst/>
+                        </a:rPr>
+                        <a:t>Yes</a:t>
+                      </a:r>
+                    </a:p>
+                    <a:p>
+                      <a:pPr algn="l" fontAlgn="t"/>
+                      <a:r>
+                        <a:rPr lang="en-US" sz="1600" u="none" strike="noStrike" dirty="0">
+                          <a:effectLst/>
+                        </a:rPr>
+                        <a:t>(Subscriber only</a:t>
+                      </a:r>
+                      <a:endParaRPr lang="en-US" sz="1600" b="0" i="0" u="none" strike="noStrike" dirty="0">
+                        <a:solidFill>
+                          <a:srgbClr val="000000"/>
+                        </a:solidFill>
+                        <a:effectLst/>
+                        <a:latin typeface="Segoe UI" panose="020B0502040204020203" pitchFamily="34" charset="0"/>
+                        <a:ea typeface="新細明體" panose="02020500000000000000" pitchFamily="18" charset="-120"/>
+                      </a:endParaRPr>
+                    </a:p>
+                  </a:txBody>
+                  <a:tcPr marL="142875" marR="9525" marT="9525" marB="0"/>
+                </a:tc>
+                <a:tc>
+                  <a:txBody>
+                    <a:bodyPr/>
+                    <a:lstStyle/>
+                    <a:p>
+                      <a:pPr algn="l" fontAlgn="t"/>
+                      <a:r>
+                        <a:rPr lang="en-US" sz="1600" u="none" strike="noStrike" dirty="0">
+                          <a:effectLst/>
+                        </a:rPr>
+                        <a:t>Yes</a:t>
+                      </a:r>
+                    </a:p>
+                    <a:p>
+                      <a:pPr algn="l" fontAlgn="t"/>
+                      <a:r>
+                        <a:rPr lang="en-US" sz="1600" u="none" strike="noStrike" dirty="0">
+                          <a:effectLst/>
+                        </a:rPr>
+                        <a:t>(Subscriber only)</a:t>
+                      </a:r>
+                      <a:endParaRPr lang="en-US" sz="1600" b="0" i="0" u="none" strike="noStrike" dirty="0">
+                        <a:solidFill>
+                          <a:srgbClr val="000000"/>
+                        </a:solidFill>
+                        <a:effectLst/>
+                        <a:latin typeface="Segoe UI" panose="020B0502040204020203" pitchFamily="34" charset="0"/>
+                        <a:ea typeface="新細明體" panose="02020500000000000000" pitchFamily="18" charset="-120"/>
+                      </a:endParaRPr>
+                    </a:p>
+                  </a:txBody>
+                  <a:tcPr marL="142875" marR="9525" marT="9525" marB="0"/>
+                </a:tc>
+                <a:tc>
+                  <a:txBody>
+                    <a:bodyPr/>
+                    <a:lstStyle/>
+                    <a:p>
+                      <a:pPr algn="l" fontAlgn="t"/>
+                      <a:r>
+                        <a:rPr lang="en-US" sz="1600" u="none" strike="noStrike" dirty="0">
+                          <a:effectLst/>
+                        </a:rPr>
+                        <a:t>Yes</a:t>
+                      </a:r>
+                    </a:p>
+                    <a:p>
+                      <a:pPr algn="l" fontAlgn="t"/>
+                      <a:r>
+                        <a:rPr lang="en-US" sz="1600" u="none" strike="noStrike" dirty="0">
+                          <a:effectLst/>
+                        </a:rPr>
+                        <a:t>(Subscriber only)</a:t>
+                      </a:r>
+                      <a:endParaRPr lang="en-US" sz="1600" b="0" i="0" u="none" strike="noStrike" dirty="0">
+                        <a:solidFill>
+                          <a:srgbClr val="000000"/>
+                        </a:solidFill>
+                        <a:effectLst/>
+                        <a:latin typeface="Segoe UI" panose="020B0502040204020203" pitchFamily="34" charset="0"/>
+                        <a:ea typeface="新細明體" panose="02020500000000000000" pitchFamily="18" charset="-120"/>
+                      </a:endParaRPr>
+                    </a:p>
+                  </a:txBody>
+                  <a:tcPr marL="142875" marR="9525" marT="9525" marB="0"/>
+                </a:tc>
+                <a:tc>
+                  <a:txBody>
+                    <a:bodyPr/>
+                    <a:lstStyle/>
+                    <a:p>
+                      <a:pPr algn="l" fontAlgn="t"/>
+                      <a:r>
+                        <a:rPr lang="en-US" sz="1600" u="none" strike="noStrike" dirty="0">
+                          <a:effectLst/>
+                        </a:rPr>
+                        <a:t>Yes</a:t>
+                      </a:r>
+                    </a:p>
+                    <a:p>
+                      <a:pPr algn="l" fontAlgn="t"/>
+                      <a:r>
+                        <a:rPr lang="en-US" sz="1600" u="none" strike="noStrike" dirty="0">
+                          <a:effectLst/>
+                        </a:rPr>
+                        <a:t>(Subscriber only)</a:t>
+                      </a:r>
+                      <a:endParaRPr lang="en-US" sz="1600" b="0" i="0" u="none" strike="noStrike" dirty="0">
+                        <a:solidFill>
+                          <a:srgbClr val="000000"/>
+                        </a:solidFill>
+                        <a:effectLst/>
+                        <a:latin typeface="Segoe UI" panose="020B0502040204020203" pitchFamily="34" charset="0"/>
+                        <a:ea typeface="新細明體" panose="02020500000000000000" pitchFamily="18" charset="-120"/>
+                      </a:endParaRPr>
+                    </a:p>
+                  </a:txBody>
+                  <a:tcPr marL="142875" marR="9525" marT="9525" marB="0"/>
+                </a:tc>
+                <a:extLst>
+                  <a:ext uri="{0D108BD9-81ED-4DB2-BD59-A6C34878D82A}">
+                    <a16:rowId xmlns:a16="http://schemas.microsoft.com/office/drawing/2014/main" val="1083455059"/>
+                  </a:ext>
+                </a:extLst>
+              </a:tr>
+              <a:tr h="634939">
+                <a:tc>
+                  <a:txBody>
+                    <a:bodyPr/>
+                    <a:lstStyle/>
+                    <a:p>
+                      <a:pPr algn="l" fontAlgn="t"/>
+                      <a:r>
+                        <a:rPr lang="en-US" sz="1600" u="none" strike="noStrike">
+                          <a:effectLst/>
+                        </a:rPr>
+                        <a:t>Peer to Peer transactional replication</a:t>
+                      </a:r>
+                      <a:endParaRPr lang="en-US" sz="1600" b="0" i="0" u="none" strike="noStrike">
+                        <a:solidFill>
+                          <a:srgbClr val="000000"/>
+                        </a:solidFill>
+                        <a:effectLst/>
+                        <a:latin typeface="Segoe UI" panose="020B0502040204020203" pitchFamily="34" charset="0"/>
+                        <a:ea typeface="新細明體" panose="02020500000000000000" pitchFamily="18" charset="-120"/>
+                      </a:endParaRPr>
+                    </a:p>
+                  </a:txBody>
+                  <a:tcPr marL="142875" marR="9525" marT="9525" marB="0"/>
+                </a:tc>
+                <a:tc>
+                  <a:txBody>
+                    <a:bodyPr/>
+                    <a:lstStyle/>
+                    <a:p>
+                      <a:pPr algn="l" fontAlgn="t"/>
+                      <a:r>
+                        <a:rPr lang="en-US" sz="1600" u="none" strike="noStrike">
+                          <a:effectLst/>
+                        </a:rPr>
+                        <a:t>Yes</a:t>
+                      </a:r>
+                      <a:endParaRPr lang="en-US" sz="1600" b="0" i="0" u="none" strike="noStrike">
+                        <a:solidFill>
+                          <a:srgbClr val="000000"/>
+                        </a:solidFill>
+                        <a:effectLst/>
+                        <a:latin typeface="Segoe UI" panose="020B0502040204020203" pitchFamily="34" charset="0"/>
+                        <a:ea typeface="新細明體" panose="02020500000000000000" pitchFamily="18" charset="-120"/>
+                      </a:endParaRPr>
+                    </a:p>
+                  </a:txBody>
+                  <a:tcPr marL="142875" marR="9525" marT="9525" marB="0"/>
+                </a:tc>
+                <a:tc>
+                  <a:txBody>
+                    <a:bodyPr/>
+                    <a:lstStyle/>
+                    <a:p>
+                      <a:pPr algn="l" fontAlgn="t"/>
+                      <a:r>
+                        <a:rPr lang="zh-TW" altLang="en-US" sz="1600" u="none" strike="noStrike">
+                          <a:effectLst/>
+                        </a:rPr>
+                        <a:t>　</a:t>
+                      </a:r>
+                      <a:endParaRPr lang="zh-TW" altLang="en-US" sz="1600" b="0" i="0" u="none" strike="noStrike">
+                        <a:solidFill>
+                          <a:srgbClr val="000000"/>
+                        </a:solidFill>
+                        <a:effectLst/>
+                        <a:latin typeface="Segoe UI" panose="020B0502040204020203" pitchFamily="34" charset="0"/>
+                        <a:ea typeface="新細明體" panose="02020500000000000000" pitchFamily="18" charset="-120"/>
+                      </a:endParaRPr>
+                    </a:p>
+                  </a:txBody>
+                  <a:tcPr marL="142875" marR="9525" marT="9525" marB="0"/>
+                </a:tc>
+                <a:tc>
+                  <a:txBody>
+                    <a:bodyPr/>
+                    <a:lstStyle/>
+                    <a:p>
+                      <a:pPr algn="l" fontAlgn="t"/>
+                      <a:r>
+                        <a:rPr lang="zh-TW" altLang="en-US" sz="1600" u="none" strike="noStrike">
+                          <a:effectLst/>
+                        </a:rPr>
+                        <a:t>　</a:t>
+                      </a:r>
+                      <a:endParaRPr lang="zh-TW" altLang="en-US" sz="1600" b="0" i="0" u="none" strike="noStrike">
+                        <a:solidFill>
+                          <a:srgbClr val="000000"/>
+                        </a:solidFill>
+                        <a:effectLst/>
+                        <a:latin typeface="Segoe UI" panose="020B0502040204020203" pitchFamily="34" charset="0"/>
+                        <a:ea typeface="新細明體" panose="02020500000000000000" pitchFamily="18" charset="-120"/>
+                      </a:endParaRPr>
+                    </a:p>
+                  </a:txBody>
+                  <a:tcPr marL="142875" marR="9525" marT="9525" marB="0"/>
+                </a:tc>
+                <a:tc>
+                  <a:txBody>
+                    <a:bodyPr/>
+                    <a:lstStyle/>
+                    <a:p>
+                      <a:pPr algn="l" fontAlgn="t"/>
+                      <a:r>
+                        <a:rPr lang="zh-TW" altLang="en-US" sz="1600" u="none" strike="noStrike">
+                          <a:effectLst/>
+                        </a:rPr>
+                        <a:t>　</a:t>
+                      </a:r>
+                      <a:endParaRPr lang="zh-TW" altLang="en-US" sz="1600" b="0" i="0" u="none" strike="noStrike">
+                        <a:solidFill>
+                          <a:srgbClr val="000000"/>
+                        </a:solidFill>
+                        <a:effectLst/>
+                        <a:latin typeface="Segoe UI" panose="020B0502040204020203" pitchFamily="34" charset="0"/>
+                        <a:ea typeface="新細明體" panose="02020500000000000000" pitchFamily="18" charset="-120"/>
+                      </a:endParaRPr>
+                    </a:p>
+                  </a:txBody>
+                  <a:tcPr marL="142875" marR="9525" marT="9525" marB="0"/>
+                </a:tc>
+                <a:tc>
+                  <a:txBody>
+                    <a:bodyPr/>
+                    <a:lstStyle/>
+                    <a:p>
+                      <a:pPr algn="l" fontAlgn="t"/>
+                      <a:r>
+                        <a:rPr lang="zh-TW" altLang="en-US" sz="1600" u="none" strike="noStrike" dirty="0">
+                          <a:effectLst/>
+                        </a:rPr>
+                        <a:t>　</a:t>
+                      </a:r>
+                      <a:endParaRPr lang="zh-TW" altLang="en-US" sz="1600" b="0" i="0" u="none" strike="noStrike" dirty="0">
+                        <a:solidFill>
+                          <a:srgbClr val="000000"/>
+                        </a:solidFill>
+                        <a:effectLst/>
+                        <a:latin typeface="Segoe UI" panose="020B0502040204020203" pitchFamily="34" charset="0"/>
+                        <a:ea typeface="新細明體" panose="02020500000000000000" pitchFamily="18" charset="-120"/>
+                      </a:endParaRPr>
+                    </a:p>
+                  </a:txBody>
+                  <a:tcPr marL="142875" marR="9525" marT="9525" marB="0"/>
+                </a:tc>
+                <a:tc>
+                  <a:txBody>
+                    <a:bodyPr/>
+                    <a:lstStyle/>
+                    <a:p>
+                      <a:pPr algn="l" fontAlgn="t"/>
+                      <a:r>
+                        <a:rPr lang="zh-TW" altLang="en-US" sz="1600" u="none" strike="noStrike" dirty="0">
+                          <a:effectLst/>
+                        </a:rPr>
+                        <a:t>　</a:t>
+                      </a:r>
+                      <a:endParaRPr lang="zh-TW" altLang="en-US" sz="1600" b="0" i="0" u="none" strike="noStrike" dirty="0">
+                        <a:solidFill>
+                          <a:srgbClr val="000000"/>
+                        </a:solidFill>
+                        <a:effectLst/>
+                        <a:latin typeface="Segoe UI" panose="020B0502040204020203" pitchFamily="34" charset="0"/>
+                        <a:ea typeface="新細明體" panose="02020500000000000000" pitchFamily="18" charset="-120"/>
+                      </a:endParaRPr>
+                    </a:p>
+                  </a:txBody>
+                  <a:tcPr marL="142875" marR="9525" marT="9525" marB="0"/>
+                </a:tc>
+                <a:tc>
+                  <a:txBody>
+                    <a:bodyPr/>
+                    <a:lstStyle/>
+                    <a:p>
+                      <a:pPr algn="l" fontAlgn="ctr"/>
+                      <a:r>
+                        <a:rPr lang="zh-TW" altLang="en-US" sz="1600" u="none" strike="noStrike" dirty="0">
+                          <a:effectLst/>
+                        </a:rPr>
+                        <a:t>　</a:t>
+                      </a:r>
+                      <a:endParaRPr lang="zh-TW" altLang="en-US" sz="1600" b="0" i="0" u="none" strike="noStrike" dirty="0">
+                        <a:solidFill>
+                          <a:srgbClr val="000000"/>
+                        </a:solidFill>
+                        <a:effectLst/>
+                        <a:latin typeface="新細明體" panose="02020500000000000000" pitchFamily="18" charset="-120"/>
+                        <a:ea typeface="新細明體" panose="02020500000000000000" pitchFamily="18" charset="-120"/>
+                      </a:endParaRPr>
+                    </a:p>
+                  </a:txBody>
+                  <a:tcPr marL="9525" marR="9525" marT="9525" marB="0" anchor="ctr"/>
+                </a:tc>
+                <a:extLst>
+                  <a:ext uri="{0D108BD9-81ED-4DB2-BD59-A6C34878D82A}">
+                    <a16:rowId xmlns:a16="http://schemas.microsoft.com/office/drawing/2014/main" val="3557674891"/>
+                  </a:ext>
+                </a:extLst>
+              </a:tr>
+            </a:tbl>
+          </a:graphicData>
+        </a:graphic>
+      </p:graphicFrame>
     </p:spTree>
     <p:extLst>
       <p:ext uri="{BB962C8B-B14F-4D97-AF65-F5344CB8AC3E}">
-        <p14:creationId xmlns:p14="http://schemas.microsoft.com/office/powerpoint/2010/main" val="4191891985"/>
+        <p14:creationId xmlns:p14="http://schemas.microsoft.com/office/powerpoint/2010/main" val="2285752154"/>
       </p:ext>
     </p:extLst>
   </p:cSld>
@@ -5613,7 +6769,7 @@
         <p:spPr/>
         <p:txBody>
           <a:bodyPr>
-            <a:normAutofit lnSpcReduction="10000"/>
+            <a:normAutofit/>
           </a:bodyPr>
           <a:lstStyle/>
           <a:p>
@@ -5646,7 +6802,7 @@
             <a:pPr lvl="1"/>
             <a:r>
               <a:rPr lang="en-US" altLang="zh-TW" dirty="0"/>
-              <a:t>Publisher : snapshot / </a:t>
+              <a:t>snapshot / </a:t>
             </a:r>
             <a:r>
               <a:rPr lang="en-US" altLang="zh-TW" dirty="0" err="1"/>
@@ -5656,13 +6812,11 @@
               <a:rPr lang="en-US" altLang="zh-TW" dirty="0"/>
               <a:t> / distribution / merge</a:t>
             </a:r>
-          </a:p>
-          <a:p>
-            <a:pPr lvl="1"/>
-            <a:r>
-              <a:rPr lang="en-US" altLang="zh-TW" dirty="0"/>
-              <a:t>Subscriber : distribution / merge</a:t>
-            </a:r>
+            <a:r>
+              <a:rPr lang="zh-TW" altLang="en-US" dirty="0"/>
+              <a:t>四個帳號</a:t>
+            </a:r>
+            <a:endParaRPr lang="en-US" altLang="zh-TW" dirty="0"/>
           </a:p>
           <a:p>
             <a:r>
@@ -5960,6 +7114,58 @@
             </a:r>
           </a:p>
           <a:p>
+            <a:r>
+              <a:rPr lang="zh-TW" altLang="zh-TW" dirty="0"/>
+              <a:t>在</a:t>
+            </a:r>
+            <a:r>
+              <a:rPr lang="en-US" altLang="zh-TW" dirty="0"/>
+              <a:t>publisher</a:t>
+            </a:r>
+            <a:r>
+              <a:rPr lang="zh-TW" altLang="zh-TW" dirty="0"/>
+              <a:t>的</a:t>
+            </a:r>
+            <a:r>
+              <a:rPr lang="en-US" altLang="zh-TW" dirty="0"/>
+              <a:t> SQL </a:t>
+            </a:r>
+            <a:r>
+              <a:rPr lang="en-US" altLang="zh-TW" dirty="0" err="1"/>
+              <a:t>mgmt</a:t>
+            </a:r>
+            <a:r>
+              <a:rPr lang="en-US" altLang="zh-TW" dirty="0"/>
+              <a:t> studio </a:t>
+            </a:r>
+            <a:r>
+              <a:rPr lang="zh-TW" altLang="zh-TW" dirty="0"/>
+              <a:t>的</a:t>
+            </a:r>
+            <a:r>
+              <a:rPr lang="en-US" altLang="zh-TW" dirty="0"/>
+              <a:t> replication -&gt;local publication -&gt; </a:t>
+            </a:r>
+            <a:r>
+              <a:rPr lang="zh-TW" altLang="zh-TW" dirty="0"/>
+              <a:t>右鍵</a:t>
+            </a:r>
+            <a:r>
+              <a:rPr lang="en-US" altLang="zh-TW" dirty="0"/>
+              <a:t>add publication -&gt; </a:t>
+            </a:r>
+            <a:r>
+              <a:rPr lang="zh-TW" altLang="zh-TW" dirty="0"/>
+              <a:t>用</a:t>
+            </a:r>
+            <a:r>
+              <a:rPr lang="en-US" altLang="zh-TW" dirty="0"/>
+              <a:t> publication wizard</a:t>
+            </a:r>
+            <a:r>
+              <a:rPr lang="zh-TW" altLang="zh-TW" dirty="0"/>
+              <a:t>設定資料發布</a:t>
+            </a:r>
             <a:endParaRPr lang="zh-TW" altLang="en-US" dirty="0"/>
           </a:p>
         </p:txBody>
@@ -5968,6 +7174,428 @@
     <p:extLst>
       <p:ext uri="{BB962C8B-B14F-4D97-AF65-F5344CB8AC3E}">
         <p14:creationId xmlns:p14="http://schemas.microsoft.com/office/powerpoint/2010/main" val="3831985212"/>
+      </p:ext>
+    </p:extLst>
+  </p:cSld>
+  <p:clrMapOvr>
+    <a:masterClrMapping/>
+  </p:clrMapOvr>
+  <mc:AlternateContent xmlns:mc="http://schemas.openxmlformats.org/markup-compatibility/2006" xmlns:p14="http://schemas.microsoft.com/office/powerpoint/2010/main">
+    <mc:Choice Requires="p14">
+      <p:transition spd="med" p14:dur="700">
+        <p:fade/>
+      </p:transition>
+    </mc:Choice>
+    <mc:Fallback xmlns="">
+      <p:transition spd="med">
+        <p:fade/>
+      </p:transition>
+    </mc:Fallback>
+  </mc:AlternateContent>
+</p:sld>
+</file>
+
+<file path=ppt/slides/slide7.xml><?xml version="1.0" encoding="utf-8"?>
+<p:sld xmlns:a="http://schemas.openxmlformats.org/drawingml/2006/main" xmlns:r="http://schemas.openxmlformats.org/officeDocument/2006/relationships" xmlns:p="http://schemas.openxmlformats.org/presentationml/2006/main">
+  <p:cSld>
+    <p:spTree>
+      <p:nvGrpSpPr>
+        <p:cNvPr id="1" name=""/>
+        <p:cNvGrpSpPr/>
+        <p:nvPr/>
+      </p:nvGrpSpPr>
+      <p:grpSpPr>
+        <a:xfrm>
+          <a:off x="0" y="0"/>
+          <a:ext cx="0" cy="0"/>
+          <a:chOff x="0" y="0"/>
+          <a:chExt cx="0" cy="0"/>
+        </a:xfrm>
+      </p:grpSpPr>
+      <p:sp>
+        <p:nvSpPr>
+          <p:cNvPr id="2" name="標題 1">
+            <a:extLst>
+              <a:ext uri="{FF2B5EF4-FFF2-40B4-BE49-F238E27FC236}">
+                <a16:creationId xmlns:a16="http://schemas.microsoft.com/office/drawing/2014/main" id="{31021BC2-22BF-4316-BC29-F3B354B0ED26}"/>
+              </a:ext>
+            </a:extLst>
+          </p:cNvPr>
+          <p:cNvSpPr>
+            <a:spLocks noGrp="1"/>
+          </p:cNvSpPr>
+          <p:nvPr>
+            <p:ph type="title"/>
+          </p:nvPr>
+        </p:nvSpPr>
+        <p:spPr/>
+        <p:txBody>
+          <a:bodyPr/>
+          <a:lstStyle/>
+          <a:p>
+            <a:r>
+              <a:rPr lang="en-US" altLang="zh-TW" dirty="0"/>
+              <a:t>Subscriber</a:t>
+            </a:r>
+            <a:r>
+              <a:rPr lang="zh-TW" altLang="en-US" dirty="0"/>
+              <a:t>的準備工作</a:t>
+            </a:r>
+          </a:p>
+        </p:txBody>
+      </p:sp>
+      <p:sp>
+        <p:nvSpPr>
+          <p:cNvPr id="3" name="內容版面配置區 2">
+            <a:extLst>
+              <a:ext uri="{FF2B5EF4-FFF2-40B4-BE49-F238E27FC236}">
+                <a16:creationId xmlns:a16="http://schemas.microsoft.com/office/drawing/2014/main" id="{E4D7E3CC-647E-4A8F-9C03-C2AFB322481E}"/>
+              </a:ext>
+            </a:extLst>
+          </p:cNvPr>
+          <p:cNvSpPr>
+            <a:spLocks noGrp="1"/>
+          </p:cNvSpPr>
+          <p:nvPr>
+            <p:ph idx="13"/>
+          </p:nvPr>
+        </p:nvSpPr>
+        <p:spPr/>
+        <p:txBody>
+          <a:bodyPr>
+            <a:normAutofit fontScale="92500" lnSpcReduction="20000"/>
+          </a:bodyPr>
+          <a:lstStyle/>
+          <a:p>
+            <a:r>
+              <a:rPr lang="zh-TW" altLang="en-US" dirty="0"/>
+              <a:t>在</a:t>
+            </a:r>
+            <a:r>
+              <a:rPr lang="en-US" altLang="zh-TW" dirty="0"/>
+              <a:t>windows</a:t>
+            </a:r>
+            <a:r>
+              <a:rPr lang="zh-TW" altLang="en-US" dirty="0"/>
+              <a:t>開帳號</a:t>
+            </a:r>
+            <a:r>
+              <a:rPr lang="en-US" altLang="zh-TW" dirty="0"/>
+              <a:t>(</a:t>
+            </a:r>
+            <a:r>
+              <a:rPr lang="zh-TW" altLang="en-US" dirty="0"/>
+              <a:t>只用一個帳號全包了也行</a:t>
+            </a:r>
+            <a:r>
+              <a:rPr lang="en-US" altLang="zh-TW" dirty="0"/>
+              <a:t>)</a:t>
+            </a:r>
+          </a:p>
+          <a:p>
+            <a:pPr lvl="1"/>
+            <a:r>
+              <a:rPr lang="en-US" altLang="zh-TW" dirty="0"/>
+              <a:t>distribution </a:t>
+            </a:r>
+            <a:r>
+              <a:rPr lang="zh-TW" altLang="en-US" dirty="0"/>
+              <a:t>與</a:t>
+            </a:r>
+            <a:r>
+              <a:rPr lang="en-US" altLang="zh-TW" dirty="0"/>
+              <a:t> merge</a:t>
+            </a:r>
+            <a:r>
+              <a:rPr lang="zh-TW" altLang="en-US" dirty="0"/>
+              <a:t> 兩個帳號就好</a:t>
+            </a:r>
+            <a:r>
+              <a:rPr lang="en-US" altLang="zh-TW" dirty="0"/>
+              <a:t>(</a:t>
+            </a:r>
+            <a:r>
+              <a:rPr lang="zh-TW" altLang="en-US" dirty="0"/>
+              <a:t>必須跟</a:t>
+            </a:r>
+            <a:r>
+              <a:rPr lang="en-US" altLang="zh-TW" dirty="0"/>
+              <a:t>publisher</a:t>
+            </a:r>
+            <a:r>
+              <a:rPr lang="zh-TW" altLang="en-US" dirty="0"/>
+              <a:t>那邊同名</a:t>
+            </a:r>
+            <a:r>
+              <a:rPr lang="en-US" altLang="zh-TW" dirty="0"/>
+              <a:t>)</a:t>
+            </a:r>
+          </a:p>
+          <a:p>
+            <a:r>
+              <a:rPr lang="en-US" altLang="zh-TW" dirty="0"/>
+              <a:t>subscriber</a:t>
+            </a:r>
+            <a:r>
+              <a:rPr lang="zh-TW" altLang="en-US" dirty="0"/>
+              <a:t>不需要開</a:t>
+            </a:r>
+            <a:r>
+              <a:rPr lang="en-US" altLang="zh-TW" dirty="0"/>
+              <a:t>share folder</a:t>
+            </a:r>
+          </a:p>
+          <a:p>
+            <a:r>
+              <a:rPr lang="zh-TW" altLang="en-US" dirty="0"/>
+              <a:t>把這兩個帳號加入</a:t>
+            </a:r>
+            <a:r>
+              <a:rPr lang="en-US" altLang="zh-TW" dirty="0"/>
+              <a:t>MSSQL</a:t>
+            </a:r>
+            <a:r>
+              <a:rPr lang="zh-TW" altLang="en-US" dirty="0"/>
+              <a:t>存取，並指定為 </a:t>
+            </a:r>
+            <a:r>
+              <a:rPr lang="en-US" altLang="zh-TW" dirty="0"/>
+              <a:t>”</a:t>
+            </a:r>
+            <a:r>
+              <a:rPr lang="zh-TW" altLang="en-US" dirty="0"/>
+              <a:t>要同步的</a:t>
+            </a:r>
+            <a:r>
+              <a:rPr lang="en-US" altLang="zh-TW" dirty="0"/>
+              <a:t>DB” </a:t>
+            </a:r>
+            <a:r>
+              <a:rPr lang="zh-TW" altLang="en-US" dirty="0"/>
+              <a:t>的</a:t>
+            </a:r>
+            <a:r>
+              <a:rPr lang="en-US" altLang="zh-TW" dirty="0" err="1"/>
+              <a:t>db_owner</a:t>
+            </a:r>
+            <a:endParaRPr lang="en-US" altLang="zh-TW" dirty="0"/>
+          </a:p>
+          <a:p>
+            <a:r>
+              <a:rPr lang="zh-TW" altLang="en-US" dirty="0"/>
+              <a:t>啟動</a:t>
+            </a:r>
+            <a:r>
+              <a:rPr lang="en-US" altLang="zh-TW" dirty="0"/>
+              <a:t>SQL Server Agent</a:t>
+            </a:r>
+            <a:r>
+              <a:rPr lang="zh-TW" altLang="en-US" dirty="0"/>
+              <a:t>並設為 </a:t>
+            </a:r>
+            <a:r>
+              <a:rPr lang="en-US" altLang="zh-TW" dirty="0"/>
+              <a:t>Auto Start</a:t>
+            </a:r>
+          </a:p>
+          <a:p>
+            <a:pPr fontAlgn="ctr"/>
+            <a:r>
+              <a:rPr lang="zh-TW" altLang="zh-TW" dirty="0"/>
+              <a:t>在</a:t>
+            </a:r>
+            <a:r>
+              <a:rPr lang="en-US" altLang="zh-TW" dirty="0"/>
+              <a:t>subscriber</a:t>
+            </a:r>
+            <a:r>
+              <a:rPr lang="zh-TW" altLang="zh-TW" dirty="0"/>
+              <a:t>的</a:t>
+            </a:r>
+            <a:r>
+              <a:rPr lang="en-US" altLang="zh-TW" dirty="0"/>
+              <a:t> SQL </a:t>
+            </a:r>
+            <a:r>
+              <a:rPr lang="en-US" altLang="zh-TW" dirty="0" err="1"/>
+              <a:t>mgmt</a:t>
+            </a:r>
+            <a:r>
+              <a:rPr lang="en-US" altLang="zh-TW" dirty="0"/>
+              <a:t> studio </a:t>
+            </a:r>
+            <a:r>
+              <a:rPr lang="zh-TW" altLang="zh-TW" dirty="0"/>
+              <a:t>的</a:t>
+            </a:r>
+            <a:r>
+              <a:rPr lang="en-US" altLang="zh-TW" dirty="0"/>
+              <a:t> replication -&gt;local publication -&gt; </a:t>
+            </a:r>
+            <a:r>
+              <a:rPr lang="zh-TW" altLang="zh-TW" dirty="0"/>
+              <a:t>右鍵</a:t>
+            </a:r>
+            <a:r>
+              <a:rPr lang="en-US" altLang="zh-TW" dirty="0"/>
+              <a:t>add subscription -&gt; </a:t>
+            </a:r>
+            <a:r>
+              <a:rPr lang="zh-TW" altLang="zh-TW" dirty="0"/>
+              <a:t>用</a:t>
+            </a:r>
+            <a:r>
+              <a:rPr lang="en-US" altLang="zh-TW" dirty="0"/>
+              <a:t> subscription wizard</a:t>
+            </a:r>
+            <a:r>
+              <a:rPr lang="zh-TW" altLang="zh-TW" dirty="0"/>
+              <a:t>設定資料訂閱</a:t>
+            </a:r>
+          </a:p>
+          <a:p>
+            <a:r>
+              <a:rPr lang="zh-TW" altLang="zh-TW" dirty="0"/>
+              <a:t>這邊資料訂閱會讓你指定</a:t>
+            </a:r>
+            <a:r>
+              <a:rPr lang="en-US" altLang="zh-TW" dirty="0"/>
+              <a:t> subscriber </a:t>
+            </a:r>
+            <a:r>
+              <a:rPr lang="zh-TW" altLang="zh-TW" dirty="0"/>
+              <a:t>的位址</a:t>
+            </a:r>
+          </a:p>
+          <a:p>
+            <a:endParaRPr lang="zh-TW" altLang="en-US" dirty="0"/>
+          </a:p>
+        </p:txBody>
+      </p:sp>
+    </p:spTree>
+    <p:extLst>
+      <p:ext uri="{BB962C8B-B14F-4D97-AF65-F5344CB8AC3E}">
+        <p14:creationId xmlns:p14="http://schemas.microsoft.com/office/powerpoint/2010/main" val="3740053090"/>
+      </p:ext>
+    </p:extLst>
+  </p:cSld>
+  <p:clrMapOvr>
+    <a:masterClrMapping/>
+  </p:clrMapOvr>
+  <mc:AlternateContent xmlns:mc="http://schemas.openxmlformats.org/markup-compatibility/2006" xmlns:p14="http://schemas.microsoft.com/office/powerpoint/2010/main">
+    <mc:Choice Requires="p14">
+      <p:transition spd="med" p14:dur="700">
+        <p:fade/>
+      </p:transition>
+    </mc:Choice>
+    <mc:Fallback xmlns="">
+      <p:transition spd="med">
+        <p:fade/>
+      </p:transition>
+    </mc:Fallback>
+  </mc:AlternateContent>
+</p:sld>
+</file>
+
+<file path=ppt/slides/slide8.xml><?xml version="1.0" encoding="utf-8"?>
+<p:sld xmlns:a="http://schemas.openxmlformats.org/drawingml/2006/main" xmlns:r="http://schemas.openxmlformats.org/officeDocument/2006/relationships" xmlns:p="http://schemas.openxmlformats.org/presentationml/2006/main">
+  <p:cSld>
+    <p:spTree>
+      <p:nvGrpSpPr>
+        <p:cNvPr id="1" name=""/>
+        <p:cNvGrpSpPr/>
+        <p:nvPr/>
+      </p:nvGrpSpPr>
+      <p:grpSpPr>
+        <a:xfrm>
+          <a:off x="0" y="0"/>
+          <a:ext cx="0" cy="0"/>
+          <a:chOff x="0" y="0"/>
+          <a:chExt cx="0" cy="0"/>
+        </a:xfrm>
+      </p:grpSpPr>
+      <p:sp>
+        <p:nvSpPr>
+          <p:cNvPr id="2" name="標題 1">
+            <a:extLst>
+              <a:ext uri="{FF2B5EF4-FFF2-40B4-BE49-F238E27FC236}">
+                <a16:creationId xmlns:a16="http://schemas.microsoft.com/office/drawing/2014/main" id="{81ACC64F-D9A4-4D50-A6B9-A0F2B779A374}"/>
+              </a:ext>
+            </a:extLst>
+          </p:cNvPr>
+          <p:cNvSpPr>
+            <a:spLocks noGrp="1"/>
+          </p:cNvSpPr>
+          <p:nvPr>
+            <p:ph type="title"/>
+          </p:nvPr>
+        </p:nvSpPr>
+        <p:spPr/>
+        <p:txBody>
+          <a:bodyPr/>
+          <a:lstStyle/>
+          <a:p>
+            <a:r>
+              <a:rPr lang="zh-TW" altLang="en-US" dirty="0"/>
+              <a:t>最後</a:t>
+            </a:r>
+            <a:r>
+              <a:rPr lang="en-US" altLang="zh-TW"/>
+              <a:t>...</a:t>
+            </a:r>
+            <a:endParaRPr lang="zh-TW" altLang="en-US" dirty="0"/>
+          </a:p>
+        </p:txBody>
+      </p:sp>
+      <p:sp>
+        <p:nvSpPr>
+          <p:cNvPr id="3" name="內容版面配置區 2">
+            <a:extLst>
+              <a:ext uri="{FF2B5EF4-FFF2-40B4-BE49-F238E27FC236}">
+                <a16:creationId xmlns:a16="http://schemas.microsoft.com/office/drawing/2014/main" id="{C1E4930A-6FBF-41CB-BC87-D78C56FF8AB8}"/>
+              </a:ext>
+            </a:extLst>
+          </p:cNvPr>
+          <p:cNvSpPr>
+            <a:spLocks noGrp="1"/>
+          </p:cNvSpPr>
+          <p:nvPr>
+            <p:ph idx="13"/>
+          </p:nvPr>
+        </p:nvSpPr>
+        <p:spPr/>
+        <p:txBody>
+          <a:bodyPr/>
+          <a:lstStyle/>
+          <a:p>
+            <a:r>
+              <a:rPr lang="zh-TW" altLang="en-US" dirty="0"/>
+              <a:t>設定完之後測試一下各個帳號的權限與</a:t>
+            </a:r>
+            <a:r>
+              <a:rPr lang="en-US" altLang="zh-TW" dirty="0"/>
+              <a:t>DB Owner</a:t>
+            </a:r>
+          </a:p>
+          <a:p>
+            <a:r>
+              <a:rPr lang="zh-TW" altLang="en-US" dirty="0"/>
+              <a:t>疑難雜症大多都是權限不對造成的</a:t>
+            </a:r>
+            <a:endParaRPr lang="en-US" altLang="zh-TW" dirty="0"/>
+          </a:p>
+          <a:p>
+            <a:r>
+              <a:rPr lang="zh-TW" altLang="en-US" dirty="0"/>
+              <a:t>設定正確的話就會自動運轉</a:t>
+            </a:r>
+          </a:p>
+        </p:txBody>
+      </p:sp>
+    </p:spTree>
+    <p:extLst>
+      <p:ext uri="{BB962C8B-B14F-4D97-AF65-F5344CB8AC3E}">
+        <p14:creationId xmlns:p14="http://schemas.microsoft.com/office/powerpoint/2010/main" val="1416763296"/>
       </p:ext>
     </p:extLst>
   </p:cSld>
